--- a/spring12/slidesS12/equivalences.pptx
+++ b/spring12/slidesS12/equivalences.pptx
@@ -5,10 +5,10 @@
     <p:sldMasterId id="2147483648" r:id="rId1"/>
   </p:sldMasterIdLst>
   <p:notesMasterIdLst>
-    <p:notesMasterId r:id="rId14"/>
+    <p:notesMasterId r:id="rId15"/>
   </p:notesMasterIdLst>
   <p:handoutMasterIdLst>
-    <p:handoutMasterId r:id="rId15"/>
+    <p:handoutMasterId r:id="rId16"/>
   </p:handoutMasterIdLst>
   <p:sldIdLst>
     <p:sldId id="276" r:id="rId2"/>
@@ -21,13 +21,14 @@
     <p:sldId id="465" r:id="rId9"/>
     <p:sldId id="466" r:id="rId10"/>
     <p:sldId id="467" r:id="rId11"/>
-    <p:sldId id="468" r:id="rId12"/>
-    <p:sldId id="469" r:id="rId13"/>
+    <p:sldId id="478" r:id="rId12"/>
+    <p:sldId id="468" r:id="rId13"/>
+    <p:sldId id="469" r:id="rId14"/>
   </p:sldIdLst>
   <p:sldSz cx="9144000" cy="6858000" type="screen4x3"/>
   <p:notesSz cx="9601200" cy="7315200"/>
   <p:custDataLst>
-    <p:tags r:id="rId17"/>
+    <p:tags r:id="rId18"/>
   </p:custDataLst>
   <p:defaultTextStyle>
     <a:defPPr>
@@ -210,7 +211,7 @@
             <a:fld id="{D875CB5D-1501-4E8C-8449-8F562B53033D}" type="datetimeFigureOut">
               <a:rPr lang="en-US" smtClean="0"/>
               <a:pPr/>
-              <a:t>3/12/12</a:t>
+              <a:t>3/18/12</a:t>
             </a:fld>
             <a:endParaRPr lang="en-US"/>
           </a:p>
@@ -377,7 +378,7 @@
             <a:fld id="{2E64E5CB-D4EF-403A-9BB6-139C52688DF7}" type="datetimeFigureOut">
               <a:rPr lang="en-US" smtClean="0"/>
               <a:pPr/>
-              <a:t>3/12/12</a:t>
+              <a:t>3/18/12</a:t>
             </a:fld>
             <a:endParaRPr lang="en-US"/>
           </a:p>
@@ -732,6 +733,346 @@
 </p:notes>
 </file>
 
+<file path=ppt/notesSlides/notesSlide10.xml><?xml version="1.0" encoding="utf-8"?>
+<p:notes xmlns:a="http://schemas.openxmlformats.org/drawingml/2006/main" xmlns:r="http://schemas.openxmlformats.org/officeDocument/2006/relationships" xmlns:p="http://schemas.openxmlformats.org/presentationml/2006/main">
+  <p:cSld>
+    <p:spTree>
+      <p:nvGrpSpPr>
+        <p:cNvPr id="1" name=""/>
+        <p:cNvGrpSpPr/>
+        <p:nvPr/>
+      </p:nvGrpSpPr>
+      <p:grpSpPr>
+        <a:xfrm>
+          <a:off x="0" y="0"/>
+          <a:ext cx="0" cy="0"/>
+          <a:chOff x="0" y="0"/>
+          <a:chExt cx="0" cy="0"/>
+        </a:xfrm>
+      </p:grpSpPr>
+      <p:sp>
+        <p:nvSpPr>
+          <p:cNvPr id="2" name="Slide Image Placeholder 1"/>
+          <p:cNvSpPr>
+            <a:spLocks noGrp="1" noRot="1" noChangeAspect="1"/>
+          </p:cNvSpPr>
+          <p:nvPr>
+            <p:ph type="sldImg"/>
+          </p:nvPr>
+        </p:nvSpPr>
+        <p:spPr/>
+      </p:sp>
+      <p:sp>
+        <p:nvSpPr>
+          <p:cNvPr id="3" name="Notes Placeholder 2"/>
+          <p:cNvSpPr>
+            <a:spLocks noGrp="1"/>
+          </p:cNvSpPr>
+          <p:nvPr>
+            <p:ph type="body" idx="1"/>
+          </p:nvPr>
+        </p:nvSpPr>
+        <p:spPr/>
+        <p:txBody>
+          <a:bodyPr/>
+          <a:lstStyle/>
+          <a:p>
+            <a:endParaRPr lang="en-US"/>
+          </a:p>
+        </p:txBody>
+      </p:sp>
+      <p:sp>
+        <p:nvSpPr>
+          <p:cNvPr id="4" name="Slide Number Placeholder 3"/>
+          <p:cNvSpPr>
+            <a:spLocks noGrp="1"/>
+          </p:cNvSpPr>
+          <p:nvPr>
+            <p:ph type="sldNum" sz="quarter" idx="10"/>
+          </p:nvPr>
+        </p:nvSpPr>
+        <p:spPr/>
+        <p:txBody>
+          <a:bodyPr/>
+          <a:lstStyle/>
+          <a:p>
+            <a:fld id="{4E59DC59-ED3D-4108-AF3A-3AFD1215876E}" type="slidenum">
+              <a:rPr lang="en-US" smtClean="0"/>
+              <a:pPr/>
+              <a:t>10</a:t>
+            </a:fld>
+            <a:endParaRPr lang="en-US"/>
+          </a:p>
+        </p:txBody>
+      </p:sp>
+    </p:spTree>
+    <p:extLst>
+      <p:ext uri="{BB962C8B-B14F-4D97-AF65-F5344CB8AC3E}">
+        <p14:creationId xmlns:p14="http://schemas.microsoft.com/office/powerpoint/2010/main" val="1860700754"/>
+      </p:ext>
+    </p:extLst>
+  </p:cSld>
+  <p:clrMapOvr>
+    <a:masterClrMapping/>
+  </p:clrMapOvr>
+</p:notes>
+</file>
+
+<file path=ppt/notesSlides/notesSlide11.xml><?xml version="1.0" encoding="utf-8"?>
+<p:notes xmlns:a="http://schemas.openxmlformats.org/drawingml/2006/main" xmlns:r="http://schemas.openxmlformats.org/officeDocument/2006/relationships" xmlns:p="http://schemas.openxmlformats.org/presentationml/2006/main">
+  <p:cSld>
+    <p:spTree>
+      <p:nvGrpSpPr>
+        <p:cNvPr id="1" name=""/>
+        <p:cNvGrpSpPr/>
+        <p:nvPr/>
+      </p:nvGrpSpPr>
+      <p:grpSpPr>
+        <a:xfrm>
+          <a:off x="0" y="0"/>
+          <a:ext cx="0" cy="0"/>
+          <a:chOff x="0" y="0"/>
+          <a:chExt cx="0" cy="0"/>
+        </a:xfrm>
+      </p:grpSpPr>
+      <p:sp>
+        <p:nvSpPr>
+          <p:cNvPr id="2" name="Slide Image Placeholder 1"/>
+          <p:cNvSpPr>
+            <a:spLocks noGrp="1" noRot="1" noChangeAspect="1"/>
+          </p:cNvSpPr>
+          <p:nvPr>
+            <p:ph type="sldImg"/>
+          </p:nvPr>
+        </p:nvSpPr>
+        <p:spPr/>
+      </p:sp>
+      <p:sp>
+        <p:nvSpPr>
+          <p:cNvPr id="3" name="Notes Placeholder 2"/>
+          <p:cNvSpPr>
+            <a:spLocks noGrp="1"/>
+          </p:cNvSpPr>
+          <p:nvPr>
+            <p:ph type="body" idx="1"/>
+          </p:nvPr>
+        </p:nvSpPr>
+        <p:spPr/>
+        <p:txBody>
+          <a:bodyPr/>
+          <a:lstStyle/>
+          <a:p>
+            <a:endParaRPr lang="en-US"/>
+          </a:p>
+        </p:txBody>
+      </p:sp>
+      <p:sp>
+        <p:nvSpPr>
+          <p:cNvPr id="4" name="Slide Number Placeholder 3"/>
+          <p:cNvSpPr>
+            <a:spLocks noGrp="1"/>
+          </p:cNvSpPr>
+          <p:nvPr>
+            <p:ph type="sldNum" sz="quarter" idx="10"/>
+          </p:nvPr>
+        </p:nvSpPr>
+        <p:spPr/>
+        <p:txBody>
+          <a:bodyPr/>
+          <a:lstStyle/>
+          <a:p>
+            <a:fld id="{4E59DC59-ED3D-4108-AF3A-3AFD1215876E}" type="slidenum">
+              <a:rPr lang="en-US" smtClean="0"/>
+              <a:pPr/>
+              <a:t>11</a:t>
+            </a:fld>
+            <a:endParaRPr lang="en-US"/>
+          </a:p>
+        </p:txBody>
+      </p:sp>
+    </p:spTree>
+    <p:extLst>
+      <p:ext uri="{BB962C8B-B14F-4D97-AF65-F5344CB8AC3E}">
+        <p14:creationId xmlns:p14="http://schemas.microsoft.com/office/powerpoint/2010/main" val="1970455786"/>
+      </p:ext>
+    </p:extLst>
+  </p:cSld>
+  <p:clrMapOvr>
+    <a:masterClrMapping/>
+  </p:clrMapOvr>
+</p:notes>
+</file>
+
+<file path=ppt/notesSlides/notesSlide12.xml><?xml version="1.0" encoding="utf-8"?>
+<p:notes xmlns:a="http://schemas.openxmlformats.org/drawingml/2006/main" xmlns:r="http://schemas.openxmlformats.org/officeDocument/2006/relationships" xmlns:p="http://schemas.openxmlformats.org/presentationml/2006/main">
+  <p:cSld>
+    <p:spTree>
+      <p:nvGrpSpPr>
+        <p:cNvPr id="1" name=""/>
+        <p:cNvGrpSpPr/>
+        <p:nvPr/>
+      </p:nvGrpSpPr>
+      <p:grpSpPr>
+        <a:xfrm>
+          <a:off x="0" y="0"/>
+          <a:ext cx="0" cy="0"/>
+          <a:chOff x="0" y="0"/>
+          <a:chExt cx="0" cy="0"/>
+        </a:xfrm>
+      </p:grpSpPr>
+      <p:sp>
+        <p:nvSpPr>
+          <p:cNvPr id="2" name="Slide Image Placeholder 1"/>
+          <p:cNvSpPr>
+            <a:spLocks noGrp="1" noRot="1" noChangeAspect="1"/>
+          </p:cNvSpPr>
+          <p:nvPr>
+            <p:ph type="sldImg"/>
+          </p:nvPr>
+        </p:nvSpPr>
+        <p:spPr/>
+      </p:sp>
+      <p:sp>
+        <p:nvSpPr>
+          <p:cNvPr id="3" name="Notes Placeholder 2"/>
+          <p:cNvSpPr>
+            <a:spLocks noGrp="1"/>
+          </p:cNvSpPr>
+          <p:nvPr>
+            <p:ph type="body" idx="1"/>
+          </p:nvPr>
+        </p:nvSpPr>
+        <p:spPr/>
+        <p:txBody>
+          <a:bodyPr/>
+          <a:lstStyle/>
+          <a:p>
+            <a:endParaRPr lang="en-US"/>
+          </a:p>
+        </p:txBody>
+      </p:sp>
+      <p:sp>
+        <p:nvSpPr>
+          <p:cNvPr id="4" name="Slide Number Placeholder 3"/>
+          <p:cNvSpPr>
+            <a:spLocks noGrp="1"/>
+          </p:cNvSpPr>
+          <p:nvPr>
+            <p:ph type="sldNum" sz="quarter" idx="10"/>
+          </p:nvPr>
+        </p:nvSpPr>
+        <p:spPr/>
+        <p:txBody>
+          <a:bodyPr/>
+          <a:lstStyle/>
+          <a:p>
+            <a:fld id="{4E59DC59-ED3D-4108-AF3A-3AFD1215876E}" type="slidenum">
+              <a:rPr lang="en-US" smtClean="0"/>
+              <a:pPr/>
+              <a:t>12</a:t>
+            </a:fld>
+            <a:endParaRPr lang="en-US"/>
+          </a:p>
+        </p:txBody>
+      </p:sp>
+    </p:spTree>
+    <p:extLst>
+      <p:ext uri="{BB962C8B-B14F-4D97-AF65-F5344CB8AC3E}">
+        <p14:creationId xmlns:p14="http://schemas.microsoft.com/office/powerpoint/2010/main" val="1661014668"/>
+      </p:ext>
+    </p:extLst>
+  </p:cSld>
+  <p:clrMapOvr>
+    <a:masterClrMapping/>
+  </p:clrMapOvr>
+</p:notes>
+</file>
+
+<file path=ppt/notesSlides/notesSlide13.xml><?xml version="1.0" encoding="utf-8"?>
+<p:notes xmlns:a="http://schemas.openxmlformats.org/drawingml/2006/main" xmlns:r="http://schemas.openxmlformats.org/officeDocument/2006/relationships" xmlns:p="http://schemas.openxmlformats.org/presentationml/2006/main">
+  <p:cSld>
+    <p:spTree>
+      <p:nvGrpSpPr>
+        <p:cNvPr id="1" name=""/>
+        <p:cNvGrpSpPr/>
+        <p:nvPr/>
+      </p:nvGrpSpPr>
+      <p:grpSpPr>
+        <a:xfrm>
+          <a:off x="0" y="0"/>
+          <a:ext cx="0" cy="0"/>
+          <a:chOff x="0" y="0"/>
+          <a:chExt cx="0" cy="0"/>
+        </a:xfrm>
+      </p:grpSpPr>
+      <p:sp>
+        <p:nvSpPr>
+          <p:cNvPr id="2" name="Slide Image Placeholder 1"/>
+          <p:cNvSpPr>
+            <a:spLocks noGrp="1" noRot="1" noChangeAspect="1"/>
+          </p:cNvSpPr>
+          <p:nvPr>
+            <p:ph type="sldImg"/>
+          </p:nvPr>
+        </p:nvSpPr>
+        <p:spPr/>
+      </p:sp>
+      <p:sp>
+        <p:nvSpPr>
+          <p:cNvPr id="3" name="Notes Placeholder 2"/>
+          <p:cNvSpPr>
+            <a:spLocks noGrp="1"/>
+          </p:cNvSpPr>
+          <p:nvPr>
+            <p:ph type="body" idx="1"/>
+          </p:nvPr>
+        </p:nvSpPr>
+        <p:spPr/>
+        <p:txBody>
+          <a:bodyPr/>
+          <a:lstStyle/>
+          <a:p>
+            <a:endParaRPr lang="en-US"/>
+          </a:p>
+        </p:txBody>
+      </p:sp>
+      <p:sp>
+        <p:nvSpPr>
+          <p:cNvPr id="4" name="Slide Number Placeholder 3"/>
+          <p:cNvSpPr>
+            <a:spLocks noGrp="1"/>
+          </p:cNvSpPr>
+          <p:nvPr>
+            <p:ph type="sldNum" sz="quarter" idx="10"/>
+          </p:nvPr>
+        </p:nvSpPr>
+        <p:spPr/>
+        <p:txBody>
+          <a:bodyPr/>
+          <a:lstStyle/>
+          <a:p>
+            <a:fld id="{4E59DC59-ED3D-4108-AF3A-3AFD1215876E}" type="slidenum">
+              <a:rPr lang="en-US" smtClean="0"/>
+              <a:pPr/>
+              <a:t>13</a:t>
+            </a:fld>
+            <a:endParaRPr lang="en-US"/>
+          </a:p>
+        </p:txBody>
+      </p:sp>
+    </p:spTree>
+    <p:extLst>
+      <p:ext uri="{BB962C8B-B14F-4D97-AF65-F5344CB8AC3E}">
+        <p14:creationId xmlns:p14="http://schemas.microsoft.com/office/powerpoint/2010/main" val="1318675042"/>
+      </p:ext>
+    </p:extLst>
+  </p:cSld>
+  <p:clrMapOvr>
+    <a:masterClrMapping/>
+  </p:clrMapOvr>
+</p:notes>
+</file>
+
 <file path=ppt/notesSlides/notesSlide2.xml><?xml version="1.0" encoding="utf-8"?>
 <p:notes xmlns:a="http://schemas.openxmlformats.org/drawingml/2006/main" xmlns:r="http://schemas.openxmlformats.org/officeDocument/2006/relationships" xmlns:p="http://schemas.openxmlformats.org/presentationml/2006/main">
   <p:cSld>
@@ -751,49 +1092,21 @@
       </p:grpSpPr>
       <p:sp>
         <p:nvSpPr>
-          <p:cNvPr id="7" name="Rectangle 7"/>
+          <p:cNvPr id="2" name="Slide Image Placeholder 1"/>
           <p:cNvSpPr>
-            <a:spLocks noGrp="1" noChangeArrowheads="1"/>
-          </p:cNvSpPr>
-          <p:nvPr>
-            <p:ph type="sldNum" sz="quarter" idx="5"/>
-          </p:nvPr>
-        </p:nvSpPr>
-        <p:spPr>
-          <a:ln/>
-        </p:spPr>
-        <p:txBody>
-          <a:bodyPr/>
-          <a:lstStyle/>
-          <a:p>
-            <a:fld id="{03024885-B15F-4841-833A-C5A00D806DA7}" type="slidenum">
-              <a:rPr lang="en-US"/>
-              <a:pPr/>
-              <a:t>3</a:t>
-            </a:fld>
-            <a:endParaRPr lang="en-US"/>
-          </a:p>
-        </p:txBody>
-      </p:sp>
-      <p:sp>
-        <p:nvSpPr>
-          <p:cNvPr id="735234" name="Rectangle 2"/>
-          <p:cNvSpPr>
-            <a:spLocks noGrp="1" noRot="1" noChangeAspect="1" noChangeArrowheads="1" noTextEdit="1"/>
+            <a:spLocks noGrp="1" noRot="1" noChangeAspect="1"/>
           </p:cNvSpPr>
           <p:nvPr>
             <p:ph type="sldImg"/>
           </p:nvPr>
         </p:nvSpPr>
-        <p:spPr>
-          <a:ln/>
-        </p:spPr>
+        <p:spPr/>
       </p:sp>
       <p:sp>
         <p:nvSpPr>
-          <p:cNvPr id="735235" name="Rectangle 3"/>
+          <p:cNvPr id="3" name="Notes Placeholder 2"/>
           <p:cNvSpPr>
-            <a:spLocks noGrp="1" noChangeArrowheads="1"/>
+            <a:spLocks noGrp="1"/>
           </p:cNvSpPr>
           <p:nvPr>
             <p:ph type="body" idx="1"/>
@@ -808,7 +1121,36 @@
           </a:p>
         </p:txBody>
       </p:sp>
+      <p:sp>
+        <p:nvSpPr>
+          <p:cNvPr id="4" name="Slide Number Placeholder 3"/>
+          <p:cNvSpPr>
+            <a:spLocks noGrp="1"/>
+          </p:cNvSpPr>
+          <p:nvPr>
+            <p:ph type="sldNum" sz="quarter" idx="10"/>
+          </p:nvPr>
+        </p:nvSpPr>
+        <p:spPr/>
+        <p:txBody>
+          <a:bodyPr/>
+          <a:lstStyle/>
+          <a:p>
+            <a:fld id="{4E59DC59-ED3D-4108-AF3A-3AFD1215876E}" type="slidenum">
+              <a:rPr lang="en-US" smtClean="0"/>
+              <a:pPr/>
+              <a:t>2</a:t>
+            </a:fld>
+            <a:endParaRPr lang="en-US"/>
+          </a:p>
+        </p:txBody>
+      </p:sp>
     </p:spTree>
+    <p:extLst>
+      <p:ext uri="{BB962C8B-B14F-4D97-AF65-F5344CB8AC3E}">
+        <p14:creationId xmlns:p14="http://schemas.microsoft.com/office/powerpoint/2010/main" val="3545412761"/>
+      </p:ext>
+    </p:extLst>
   </p:cSld>
   <p:clrMapOvr>
     <a:masterClrMapping/>
@@ -850,10 +1192,10 @@
           <a:bodyPr/>
           <a:lstStyle/>
           <a:p>
-            <a:fld id="{03FFB934-EACA-4282-936B-EFCFE70EF514}" type="slidenum">
+            <a:fld id="{03024885-B15F-4841-833A-C5A00D806DA7}" type="slidenum">
               <a:rPr lang="en-US"/>
               <a:pPr/>
-              <a:t>4</a:t>
+              <a:t>3</a:t>
             </a:fld>
             <a:endParaRPr lang="en-US"/>
           </a:p>
@@ -861,7 +1203,7 @@
       </p:sp>
       <p:sp>
         <p:nvSpPr>
-          <p:cNvPr id="733186" name="Rectangle 2"/>
+          <p:cNvPr id="735234" name="Rectangle 2"/>
           <p:cNvSpPr>
             <a:spLocks noGrp="1" noRot="1" noChangeAspect="1" noChangeArrowheads="1" noTextEdit="1"/>
           </p:cNvSpPr>
@@ -875,7 +1217,7 @@
       </p:sp>
       <p:sp>
         <p:nvSpPr>
-          <p:cNvPr id="733187" name="Rectangle 3"/>
+          <p:cNvPr id="735235" name="Rectangle 3"/>
           <p:cNvSpPr>
             <a:spLocks noGrp="1" noChangeArrowheads="1"/>
           </p:cNvSpPr>
@@ -937,7 +1279,7 @@
             <a:fld id="{03FFB934-EACA-4282-936B-EFCFE70EF514}" type="slidenum">
               <a:rPr lang="en-US"/>
               <a:pPr/>
-              <a:t>5</a:t>
+              <a:t>4</a:t>
             </a:fld>
             <a:endParaRPr lang="en-US"/>
           </a:p>
@@ -977,6 +1319,430 @@
         </p:txBody>
       </p:sp>
     </p:spTree>
+  </p:cSld>
+  <p:clrMapOvr>
+    <a:masterClrMapping/>
+  </p:clrMapOvr>
+</p:notes>
+</file>
+
+<file path=ppt/notesSlides/notesSlide5.xml><?xml version="1.0" encoding="utf-8"?>
+<p:notes xmlns:a="http://schemas.openxmlformats.org/drawingml/2006/main" xmlns:r="http://schemas.openxmlformats.org/officeDocument/2006/relationships" xmlns:p="http://schemas.openxmlformats.org/presentationml/2006/main">
+  <p:cSld>
+    <p:spTree>
+      <p:nvGrpSpPr>
+        <p:cNvPr id="1" name=""/>
+        <p:cNvGrpSpPr/>
+        <p:nvPr/>
+      </p:nvGrpSpPr>
+      <p:grpSpPr>
+        <a:xfrm>
+          <a:off x="0" y="0"/>
+          <a:ext cx="0" cy="0"/>
+          <a:chOff x="0" y="0"/>
+          <a:chExt cx="0" cy="0"/>
+        </a:xfrm>
+      </p:grpSpPr>
+      <p:sp>
+        <p:nvSpPr>
+          <p:cNvPr id="7" name="Rectangle 7"/>
+          <p:cNvSpPr>
+            <a:spLocks noGrp="1" noChangeArrowheads="1"/>
+          </p:cNvSpPr>
+          <p:nvPr>
+            <p:ph type="sldNum" sz="quarter" idx="5"/>
+          </p:nvPr>
+        </p:nvSpPr>
+        <p:spPr>
+          <a:ln/>
+        </p:spPr>
+        <p:txBody>
+          <a:bodyPr/>
+          <a:lstStyle/>
+          <a:p>
+            <a:fld id="{03FFB934-EACA-4282-936B-EFCFE70EF514}" type="slidenum">
+              <a:rPr lang="en-US"/>
+              <a:pPr/>
+              <a:t>5</a:t>
+            </a:fld>
+            <a:endParaRPr lang="en-US"/>
+          </a:p>
+        </p:txBody>
+      </p:sp>
+      <p:sp>
+        <p:nvSpPr>
+          <p:cNvPr id="733186" name="Rectangle 2"/>
+          <p:cNvSpPr>
+            <a:spLocks noGrp="1" noRot="1" noChangeAspect="1" noChangeArrowheads="1" noTextEdit="1"/>
+          </p:cNvSpPr>
+          <p:nvPr>
+            <p:ph type="sldImg"/>
+          </p:nvPr>
+        </p:nvSpPr>
+        <p:spPr>
+          <a:ln/>
+        </p:spPr>
+      </p:sp>
+      <p:sp>
+        <p:nvSpPr>
+          <p:cNvPr id="733187" name="Rectangle 3"/>
+          <p:cNvSpPr>
+            <a:spLocks noGrp="1" noChangeArrowheads="1"/>
+          </p:cNvSpPr>
+          <p:nvPr>
+            <p:ph type="body" idx="1"/>
+          </p:nvPr>
+        </p:nvSpPr>
+        <p:spPr/>
+        <p:txBody>
+          <a:bodyPr/>
+          <a:lstStyle/>
+          <a:p>
+            <a:endParaRPr lang="en-US"/>
+          </a:p>
+        </p:txBody>
+      </p:sp>
+    </p:spTree>
+  </p:cSld>
+  <p:clrMapOvr>
+    <a:masterClrMapping/>
+  </p:clrMapOvr>
+</p:notes>
+</file>
+
+<file path=ppt/notesSlides/notesSlide6.xml><?xml version="1.0" encoding="utf-8"?>
+<p:notes xmlns:a="http://schemas.openxmlformats.org/drawingml/2006/main" xmlns:r="http://schemas.openxmlformats.org/officeDocument/2006/relationships" xmlns:p="http://schemas.openxmlformats.org/presentationml/2006/main">
+  <p:cSld>
+    <p:spTree>
+      <p:nvGrpSpPr>
+        <p:cNvPr id="1" name=""/>
+        <p:cNvGrpSpPr/>
+        <p:nvPr/>
+      </p:nvGrpSpPr>
+      <p:grpSpPr>
+        <a:xfrm>
+          <a:off x="0" y="0"/>
+          <a:ext cx="0" cy="0"/>
+          <a:chOff x="0" y="0"/>
+          <a:chExt cx="0" cy="0"/>
+        </a:xfrm>
+      </p:grpSpPr>
+      <p:sp>
+        <p:nvSpPr>
+          <p:cNvPr id="2" name="Slide Image Placeholder 1"/>
+          <p:cNvSpPr>
+            <a:spLocks noGrp="1" noRot="1" noChangeAspect="1"/>
+          </p:cNvSpPr>
+          <p:nvPr>
+            <p:ph type="sldImg"/>
+          </p:nvPr>
+        </p:nvSpPr>
+        <p:spPr/>
+      </p:sp>
+      <p:sp>
+        <p:nvSpPr>
+          <p:cNvPr id="3" name="Notes Placeholder 2"/>
+          <p:cNvSpPr>
+            <a:spLocks noGrp="1"/>
+          </p:cNvSpPr>
+          <p:nvPr>
+            <p:ph type="body" idx="1"/>
+          </p:nvPr>
+        </p:nvSpPr>
+        <p:spPr/>
+        <p:txBody>
+          <a:bodyPr/>
+          <a:lstStyle/>
+          <a:p>
+            <a:endParaRPr lang="en-US"/>
+          </a:p>
+        </p:txBody>
+      </p:sp>
+      <p:sp>
+        <p:nvSpPr>
+          <p:cNvPr id="4" name="Slide Number Placeholder 3"/>
+          <p:cNvSpPr>
+            <a:spLocks noGrp="1"/>
+          </p:cNvSpPr>
+          <p:nvPr>
+            <p:ph type="sldNum" sz="quarter" idx="10"/>
+          </p:nvPr>
+        </p:nvSpPr>
+        <p:spPr/>
+        <p:txBody>
+          <a:bodyPr/>
+          <a:lstStyle/>
+          <a:p>
+            <a:fld id="{4E59DC59-ED3D-4108-AF3A-3AFD1215876E}" type="slidenum">
+              <a:rPr lang="en-US" smtClean="0"/>
+              <a:pPr/>
+              <a:t>6</a:t>
+            </a:fld>
+            <a:endParaRPr lang="en-US"/>
+          </a:p>
+        </p:txBody>
+      </p:sp>
+    </p:spTree>
+    <p:extLst>
+      <p:ext uri="{BB962C8B-B14F-4D97-AF65-F5344CB8AC3E}">
+        <p14:creationId xmlns:p14="http://schemas.microsoft.com/office/powerpoint/2010/main" val="1820492925"/>
+      </p:ext>
+    </p:extLst>
+  </p:cSld>
+  <p:clrMapOvr>
+    <a:masterClrMapping/>
+  </p:clrMapOvr>
+</p:notes>
+</file>
+
+<file path=ppt/notesSlides/notesSlide7.xml><?xml version="1.0" encoding="utf-8"?>
+<p:notes xmlns:a="http://schemas.openxmlformats.org/drawingml/2006/main" xmlns:r="http://schemas.openxmlformats.org/officeDocument/2006/relationships" xmlns:p="http://schemas.openxmlformats.org/presentationml/2006/main">
+  <p:cSld>
+    <p:spTree>
+      <p:nvGrpSpPr>
+        <p:cNvPr id="1" name=""/>
+        <p:cNvGrpSpPr/>
+        <p:nvPr/>
+      </p:nvGrpSpPr>
+      <p:grpSpPr>
+        <a:xfrm>
+          <a:off x="0" y="0"/>
+          <a:ext cx="0" cy="0"/>
+          <a:chOff x="0" y="0"/>
+          <a:chExt cx="0" cy="0"/>
+        </a:xfrm>
+      </p:grpSpPr>
+      <p:sp>
+        <p:nvSpPr>
+          <p:cNvPr id="2" name="Slide Image Placeholder 1"/>
+          <p:cNvSpPr>
+            <a:spLocks noGrp="1" noRot="1" noChangeAspect="1"/>
+          </p:cNvSpPr>
+          <p:nvPr>
+            <p:ph type="sldImg"/>
+          </p:nvPr>
+        </p:nvSpPr>
+        <p:spPr/>
+      </p:sp>
+      <p:sp>
+        <p:nvSpPr>
+          <p:cNvPr id="3" name="Notes Placeholder 2"/>
+          <p:cNvSpPr>
+            <a:spLocks noGrp="1"/>
+          </p:cNvSpPr>
+          <p:nvPr>
+            <p:ph type="body" idx="1"/>
+          </p:nvPr>
+        </p:nvSpPr>
+        <p:spPr/>
+        <p:txBody>
+          <a:bodyPr/>
+          <a:lstStyle/>
+          <a:p>
+            <a:endParaRPr lang="en-US"/>
+          </a:p>
+        </p:txBody>
+      </p:sp>
+      <p:sp>
+        <p:nvSpPr>
+          <p:cNvPr id="4" name="Slide Number Placeholder 3"/>
+          <p:cNvSpPr>
+            <a:spLocks noGrp="1"/>
+          </p:cNvSpPr>
+          <p:nvPr>
+            <p:ph type="sldNum" sz="quarter" idx="10"/>
+          </p:nvPr>
+        </p:nvSpPr>
+        <p:spPr/>
+        <p:txBody>
+          <a:bodyPr/>
+          <a:lstStyle/>
+          <a:p>
+            <a:fld id="{4E59DC59-ED3D-4108-AF3A-3AFD1215876E}" type="slidenum">
+              <a:rPr lang="en-US" smtClean="0"/>
+              <a:pPr/>
+              <a:t>7</a:t>
+            </a:fld>
+            <a:endParaRPr lang="en-US"/>
+          </a:p>
+        </p:txBody>
+      </p:sp>
+    </p:spTree>
+    <p:extLst>
+      <p:ext uri="{BB962C8B-B14F-4D97-AF65-F5344CB8AC3E}">
+        <p14:creationId xmlns:p14="http://schemas.microsoft.com/office/powerpoint/2010/main" val="1847145337"/>
+      </p:ext>
+    </p:extLst>
+  </p:cSld>
+  <p:clrMapOvr>
+    <a:masterClrMapping/>
+  </p:clrMapOvr>
+</p:notes>
+</file>
+
+<file path=ppt/notesSlides/notesSlide8.xml><?xml version="1.0" encoding="utf-8"?>
+<p:notes xmlns:a="http://schemas.openxmlformats.org/drawingml/2006/main" xmlns:r="http://schemas.openxmlformats.org/officeDocument/2006/relationships" xmlns:p="http://schemas.openxmlformats.org/presentationml/2006/main">
+  <p:cSld>
+    <p:spTree>
+      <p:nvGrpSpPr>
+        <p:cNvPr id="1" name=""/>
+        <p:cNvGrpSpPr/>
+        <p:nvPr/>
+      </p:nvGrpSpPr>
+      <p:grpSpPr>
+        <a:xfrm>
+          <a:off x="0" y="0"/>
+          <a:ext cx="0" cy="0"/>
+          <a:chOff x="0" y="0"/>
+          <a:chExt cx="0" cy="0"/>
+        </a:xfrm>
+      </p:grpSpPr>
+      <p:sp>
+        <p:nvSpPr>
+          <p:cNvPr id="2" name="Slide Image Placeholder 1"/>
+          <p:cNvSpPr>
+            <a:spLocks noGrp="1" noRot="1" noChangeAspect="1"/>
+          </p:cNvSpPr>
+          <p:nvPr>
+            <p:ph type="sldImg"/>
+          </p:nvPr>
+        </p:nvSpPr>
+        <p:spPr/>
+      </p:sp>
+      <p:sp>
+        <p:nvSpPr>
+          <p:cNvPr id="3" name="Notes Placeholder 2"/>
+          <p:cNvSpPr>
+            <a:spLocks noGrp="1"/>
+          </p:cNvSpPr>
+          <p:nvPr>
+            <p:ph type="body" idx="1"/>
+          </p:nvPr>
+        </p:nvSpPr>
+        <p:spPr/>
+        <p:txBody>
+          <a:bodyPr/>
+          <a:lstStyle/>
+          <a:p>
+            <a:endParaRPr lang="en-US"/>
+          </a:p>
+        </p:txBody>
+      </p:sp>
+      <p:sp>
+        <p:nvSpPr>
+          <p:cNvPr id="4" name="Slide Number Placeholder 3"/>
+          <p:cNvSpPr>
+            <a:spLocks noGrp="1"/>
+          </p:cNvSpPr>
+          <p:nvPr>
+            <p:ph type="sldNum" sz="quarter" idx="10"/>
+          </p:nvPr>
+        </p:nvSpPr>
+        <p:spPr/>
+        <p:txBody>
+          <a:bodyPr/>
+          <a:lstStyle/>
+          <a:p>
+            <a:fld id="{4E59DC59-ED3D-4108-AF3A-3AFD1215876E}" type="slidenum">
+              <a:rPr lang="en-US" smtClean="0"/>
+              <a:pPr/>
+              <a:t>8</a:t>
+            </a:fld>
+            <a:endParaRPr lang="en-US"/>
+          </a:p>
+        </p:txBody>
+      </p:sp>
+    </p:spTree>
+    <p:extLst>
+      <p:ext uri="{BB962C8B-B14F-4D97-AF65-F5344CB8AC3E}">
+        <p14:creationId xmlns:p14="http://schemas.microsoft.com/office/powerpoint/2010/main" val="2710280666"/>
+      </p:ext>
+    </p:extLst>
+  </p:cSld>
+  <p:clrMapOvr>
+    <a:masterClrMapping/>
+  </p:clrMapOvr>
+</p:notes>
+</file>
+
+<file path=ppt/notesSlides/notesSlide9.xml><?xml version="1.0" encoding="utf-8"?>
+<p:notes xmlns:a="http://schemas.openxmlformats.org/drawingml/2006/main" xmlns:r="http://schemas.openxmlformats.org/officeDocument/2006/relationships" xmlns:p="http://schemas.openxmlformats.org/presentationml/2006/main">
+  <p:cSld>
+    <p:spTree>
+      <p:nvGrpSpPr>
+        <p:cNvPr id="1" name=""/>
+        <p:cNvGrpSpPr/>
+        <p:nvPr/>
+      </p:nvGrpSpPr>
+      <p:grpSpPr>
+        <a:xfrm>
+          <a:off x="0" y="0"/>
+          <a:ext cx="0" cy="0"/>
+          <a:chOff x="0" y="0"/>
+          <a:chExt cx="0" cy="0"/>
+        </a:xfrm>
+      </p:grpSpPr>
+      <p:sp>
+        <p:nvSpPr>
+          <p:cNvPr id="2" name="Slide Image Placeholder 1"/>
+          <p:cNvSpPr>
+            <a:spLocks noGrp="1" noRot="1" noChangeAspect="1"/>
+          </p:cNvSpPr>
+          <p:nvPr>
+            <p:ph type="sldImg"/>
+          </p:nvPr>
+        </p:nvSpPr>
+        <p:spPr/>
+      </p:sp>
+      <p:sp>
+        <p:nvSpPr>
+          <p:cNvPr id="3" name="Notes Placeholder 2"/>
+          <p:cNvSpPr>
+            <a:spLocks noGrp="1"/>
+          </p:cNvSpPr>
+          <p:nvPr>
+            <p:ph type="body" idx="1"/>
+          </p:nvPr>
+        </p:nvSpPr>
+        <p:spPr/>
+        <p:txBody>
+          <a:bodyPr/>
+          <a:lstStyle/>
+          <a:p>
+            <a:endParaRPr lang="en-US"/>
+          </a:p>
+        </p:txBody>
+      </p:sp>
+      <p:sp>
+        <p:nvSpPr>
+          <p:cNvPr id="4" name="Slide Number Placeholder 3"/>
+          <p:cNvSpPr>
+            <a:spLocks noGrp="1"/>
+          </p:cNvSpPr>
+          <p:nvPr>
+            <p:ph type="sldNum" sz="quarter" idx="10"/>
+          </p:nvPr>
+        </p:nvSpPr>
+        <p:spPr/>
+        <p:txBody>
+          <a:bodyPr/>
+          <a:lstStyle/>
+          <a:p>
+            <a:fld id="{4E59DC59-ED3D-4108-AF3A-3AFD1215876E}" type="slidenum">
+              <a:rPr lang="en-US" smtClean="0"/>
+              <a:pPr/>
+              <a:t>9</a:t>
+            </a:fld>
+            <a:endParaRPr lang="en-US"/>
+          </a:p>
+        </p:txBody>
+      </p:sp>
+    </p:spTree>
+    <p:extLst>
+      <p:ext uri="{BB962C8B-B14F-4D97-AF65-F5344CB8AC3E}">
+        <p14:creationId xmlns:p14="http://schemas.microsoft.com/office/powerpoint/2010/main" val="343525426"/>
+      </p:ext>
+    </p:extLst>
   </p:cSld>
   <p:clrMapOvr>
     <a:masterClrMapping/>
@@ -2932,6 +3698,334 @@
           <a:lstStyle/>
           <a:p>
             <a:r>
+              <a:rPr lang="en-US" sz="4400" dirty="0" smtClean="0"/>
+              <a:t>representing </a:t>
+            </a:r>
+            <a:r>
+              <a:rPr lang="en-US" sz="4400" dirty="0" smtClean="0">
+                <a:solidFill>
+                  <a:srgbClr val="0000FF"/>
+                </a:solidFill>
+                <a:latin typeface="Euclid Symbol" charset="2"/>
+                <a:cs typeface="Euclid Symbol" charset="2"/>
+              </a:rPr>
+              <a:t>≡</a:t>
+            </a:r>
+            <a:r>
+              <a:rPr lang="en-US" sz="4400" baseline="-25000" dirty="0" smtClean="0">
+                <a:solidFill>
+                  <a:srgbClr val="0000FF"/>
+                </a:solidFill>
+                <a:latin typeface="Comic Sans MS"/>
+                <a:cs typeface="Comic Sans MS"/>
+              </a:rPr>
+              <a:t>  </a:t>
+            </a:r>
+            <a:r>
+              <a:rPr lang="en-US" sz="4400" dirty="0" smtClean="0">
+                <a:solidFill>
+                  <a:srgbClr val="0000FF"/>
+                </a:solidFill>
+                <a:latin typeface="Comic Sans MS"/>
+                <a:cs typeface="Comic Sans MS"/>
+              </a:rPr>
+              <a:t>(mod n)</a:t>
+            </a:r>
+            <a:endParaRPr lang="en-US" sz="4400" dirty="0"/>
+          </a:p>
+        </p:txBody>
+      </p:sp>
+      <p:sp>
+        <p:nvSpPr>
+          <p:cNvPr id="3" name="Content Placeholder 2"/>
+          <p:cNvSpPr>
+            <a:spLocks noGrp="1"/>
+          </p:cNvSpPr>
+          <p:nvPr>
+            <p:ph idx="1"/>
+          </p:nvPr>
+        </p:nvSpPr>
+        <p:spPr/>
+        <p:txBody>
+          <a:bodyPr>
+            <a:normAutofit/>
+          </a:bodyPr>
+          <a:lstStyle/>
+          <a:p>
+            <a:r>
+              <a:rPr lang="en-US" sz="6000" b="1" dirty="0" smtClean="0">
+                <a:solidFill>
+                  <a:srgbClr val="0000FF"/>
+                </a:solidFill>
+                <a:latin typeface="Euclid Symbol" charset="2"/>
+                <a:cs typeface="Euclid Symbol" charset="2"/>
+              </a:rPr>
+              <a:t>≡</a:t>
+            </a:r>
+            <a:r>
+              <a:rPr lang="en-US" sz="6000" dirty="0" smtClean="0">
+                <a:solidFill>
+                  <a:srgbClr val="0000FF"/>
+                </a:solidFill>
+                <a:latin typeface="Comic Sans MS"/>
+                <a:cs typeface="Comic Sans MS"/>
+              </a:rPr>
+              <a:t>  (mod n) </a:t>
+            </a:r>
+            <a:r>
+              <a:rPr lang="en-US" sz="6000" baseline="-25000" dirty="0" smtClean="0">
+                <a:solidFill>
+                  <a:srgbClr val="0000FF"/>
+                </a:solidFill>
+                <a:latin typeface="Comic Sans MS"/>
+                <a:cs typeface="Comic Sans MS"/>
+              </a:rPr>
+              <a:t> </a:t>
+            </a:r>
+            <a:r>
+              <a:rPr lang="en-US" sz="6000" dirty="0" smtClean="0">
+                <a:solidFill>
+                  <a:srgbClr val="000000"/>
+                </a:solidFill>
+                <a:latin typeface="Comic Sans MS"/>
+                <a:cs typeface="Comic Sans MS"/>
+              </a:rPr>
+              <a:t>  is</a:t>
+            </a:r>
+          </a:p>
+          <a:p>
+            <a:r>
+              <a:rPr lang="en-US" sz="6600" b="1" dirty="0" smtClean="0">
+                <a:solidFill>
+                  <a:srgbClr val="0000FF"/>
+                </a:solidFill>
+                <a:latin typeface="Euclid Symbol" charset="2"/>
+                <a:cs typeface="Euclid Symbol" charset="2"/>
+              </a:rPr>
+              <a:t>≡</a:t>
+            </a:r>
+            <a:r>
+              <a:rPr lang="en-US" sz="6600" baseline="-25000" dirty="0" smtClean="0">
+                <a:solidFill>
+                  <a:srgbClr val="0000FF"/>
+                </a:solidFill>
+                <a:latin typeface="Comic Sans MS"/>
+                <a:cs typeface="Comic Sans MS"/>
+              </a:rPr>
+              <a:t>f   </a:t>
+            </a:r>
+            <a:r>
+              <a:rPr lang="en-US" sz="6600" dirty="0" smtClean="0">
+                <a:solidFill>
+                  <a:srgbClr val="000000"/>
+                </a:solidFill>
+                <a:latin typeface="Comic Sans MS"/>
+                <a:cs typeface="Comic Sans MS"/>
+              </a:rPr>
+              <a:t>where</a:t>
+            </a:r>
+            <a:r>
+              <a:rPr lang="en-US" sz="6600" dirty="0" smtClean="0">
+                <a:solidFill>
+                  <a:srgbClr val="0000FF"/>
+                </a:solidFill>
+                <a:latin typeface="Comic Sans MS"/>
+                <a:cs typeface="Comic Sans MS"/>
+              </a:rPr>
+              <a:t> </a:t>
+            </a:r>
+          </a:p>
+          <a:p>
+            <a:pPr algn="ctr"/>
+            <a:r>
+              <a:rPr lang="en-US" sz="6600" dirty="0" smtClean="0">
+                <a:solidFill>
+                  <a:srgbClr val="0000FF"/>
+                </a:solidFill>
+                <a:latin typeface="Comic Sans MS"/>
+                <a:cs typeface="Comic Sans MS"/>
+              </a:rPr>
+              <a:t>f(k) ::=  rem(</a:t>
+            </a:r>
+            <a:r>
+              <a:rPr lang="en-US" sz="6600" dirty="0" err="1" smtClean="0">
+                <a:solidFill>
+                  <a:srgbClr val="0000FF"/>
+                </a:solidFill>
+                <a:latin typeface="Comic Sans MS"/>
+                <a:cs typeface="Comic Sans MS"/>
+              </a:rPr>
+              <a:t>k,n</a:t>
+            </a:r>
+            <a:r>
+              <a:rPr lang="en-US" sz="6600" dirty="0" smtClean="0">
+                <a:solidFill>
+                  <a:srgbClr val="0000FF"/>
+                </a:solidFill>
+                <a:latin typeface="Comic Sans MS"/>
+                <a:cs typeface="Comic Sans MS"/>
+              </a:rPr>
+              <a:t>)</a:t>
+            </a:r>
+            <a:endParaRPr lang="en-US" sz="6600" dirty="0">
+              <a:solidFill>
+                <a:srgbClr val="000000"/>
+              </a:solidFill>
+            </a:endParaRPr>
+          </a:p>
+        </p:txBody>
+      </p:sp>
+    </p:spTree>
+    <p:extLst>
+      <p:ext uri="{BB962C8B-B14F-4D97-AF65-F5344CB8AC3E}">
+        <p14:creationId xmlns:p14="http://schemas.microsoft.com/office/powerpoint/2010/main" val="3595278232"/>
+      </p:ext>
+    </p:extLst>
+  </p:cSld>
+  <p:clrMapOvr>
+    <a:masterClrMapping/>
+  </p:clrMapOvr>
+  <mc:AlternateContent xmlns:mc="http://schemas.openxmlformats.org/markup-compatibility/2006">
+    <mc:Choice xmlns:p14="http://schemas.microsoft.com/office/powerpoint/2010/main" Requires="p14">
+      <p:transition spd="med" p14:dur="700">
+        <p:fade/>
+      </p:transition>
+    </mc:Choice>
+    <mc:Fallback>
+      <p:transition xmlns:p14="http://schemas.microsoft.com/office/powerpoint/2010/main" spd="med">
+        <p:fade/>
+      </p:transition>
+    </mc:Fallback>
+  </mc:AlternateContent>
+  <p:timing>
+    <p:tnLst>
+      <p:par>
+        <p:cTn xmlns:p14="http://schemas.microsoft.com/office/powerpoint/2010/main" id="1" dur="indefinite" restart="never" nodeType="tmRoot">
+          <p:childTnLst>
+            <p:seq concurrent="1" nextAc="seek">
+              <p:cTn id="2" dur="indefinite" nodeType="mainSeq">
+                <p:childTnLst>
+                  <p:par>
+                    <p:cTn id="3" fill="hold">
+                      <p:stCondLst>
+                        <p:cond delay="indefinite"/>
+                      </p:stCondLst>
+                      <p:childTnLst>
+                        <p:par>
+                          <p:cTn id="4" fill="hold">
+                            <p:stCondLst>
+                              <p:cond delay="0"/>
+                            </p:stCondLst>
+                            <p:childTnLst>
+                              <p:par>
+                                <p:cTn id="5" presetID="22" presetClass="entr" presetSubtype="8" fill="hold" nodeType="clickEffect">
+                                  <p:stCondLst>
+                                    <p:cond delay="0"/>
+                                  </p:stCondLst>
+                                  <p:childTnLst>
+                                    <p:set>
+                                      <p:cBhvr>
+                                        <p:cTn id="6" dur="1" fill="hold">
+                                          <p:stCondLst>
+                                            <p:cond delay="0"/>
+                                          </p:stCondLst>
+                                        </p:cTn>
+                                        <p:tgtEl>
+                                          <p:spTgt spid="3">
+                                            <p:txEl>
+                                              <p:pRg st="2" end="2"/>
+                                            </p:txEl>
+                                          </p:spTgt>
+                                        </p:tgtEl>
+                                        <p:attrNameLst>
+                                          <p:attrName>style.visibility</p:attrName>
+                                        </p:attrNameLst>
+                                      </p:cBhvr>
+                                      <p:to>
+                                        <p:strVal val="visible"/>
+                                      </p:to>
+                                    </p:set>
+                                    <p:animEffect transition="in" filter="wipe(left)">
+                                      <p:cBhvr>
+                                        <p:cTn id="7" dur="1000"/>
+                                        <p:tgtEl>
+                                          <p:spTgt spid="3">
+                                            <p:txEl>
+                                              <p:pRg st="2" end="2"/>
+                                            </p:txEl>
+                                          </p:spTgt>
+                                        </p:tgtEl>
+                                      </p:cBhvr>
+                                    </p:animEffect>
+                                  </p:childTnLst>
+                                </p:cTn>
+                              </p:par>
+                            </p:childTnLst>
+                          </p:cTn>
+                        </p:par>
+                      </p:childTnLst>
+                    </p:cTn>
+                  </p:par>
+                </p:childTnLst>
+              </p:cTn>
+              <p:prevCondLst>
+                <p:cond evt="onPrev" delay="0">
+                  <p:tgtEl>
+                    <p:sldTgt/>
+                  </p:tgtEl>
+                </p:cond>
+              </p:prevCondLst>
+              <p:nextCondLst>
+                <p:cond evt="onNext" delay="0">
+                  <p:tgtEl>
+                    <p:sldTgt/>
+                  </p:tgtEl>
+                </p:cond>
+              </p:nextCondLst>
+            </p:seq>
+          </p:childTnLst>
+        </p:cTn>
+      </p:par>
+    </p:tnLst>
+  </p:timing>
+</p:sld>
+</file>
+
+<file path=ppt/slides/slide12.xml><?xml version="1.0" encoding="utf-8"?>
+<p:sld xmlns:a="http://schemas.openxmlformats.org/drawingml/2006/main" xmlns:r="http://schemas.openxmlformats.org/officeDocument/2006/relationships" xmlns:p="http://schemas.openxmlformats.org/presentationml/2006/main">
+  <p:cSld>
+    <p:spTree>
+      <p:nvGrpSpPr>
+        <p:cNvPr id="1" name=""/>
+        <p:cNvGrpSpPr/>
+        <p:nvPr/>
+      </p:nvGrpSpPr>
+      <p:grpSpPr>
+        <a:xfrm>
+          <a:off x="0" y="0"/>
+          <a:ext cx="0" cy="0"/>
+          <a:chOff x="0" y="0"/>
+          <a:chExt cx="0" cy="0"/>
+        </a:xfrm>
+      </p:grpSpPr>
+      <p:sp>
+        <p:nvSpPr>
+          <p:cNvPr id="2" name="Title 1"/>
+          <p:cNvSpPr>
+            <a:spLocks noGrp="1"/>
+          </p:cNvSpPr>
+          <p:nvPr>
+            <p:ph type="title"/>
+          </p:nvPr>
+        </p:nvSpPr>
+        <p:spPr/>
+        <p:txBody>
+          <a:bodyPr>
+            <a:normAutofit/>
+          </a:bodyPr>
+          <a:lstStyle/>
+          <a:p>
+            <a:r>
               <a:rPr lang="en-US" sz="4000" dirty="0" smtClean="0"/>
               <a:t>Representing equivalences</a:t>
             </a:r>
@@ -3376,7 +4470,7 @@
 </p:sld>
 </file>
 
-<file path=ppt/slides/slide12.xml><?xml version="1.0" encoding="utf-8"?>
+<file path=ppt/slides/slide13.xml><?xml version="1.0" encoding="utf-8"?>
 <p:sld xmlns:a="http://schemas.openxmlformats.org/drawingml/2006/main" xmlns:r="http://schemas.openxmlformats.org/officeDocument/2006/relationships" xmlns:p="http://schemas.openxmlformats.org/presentationml/2006/main">
   <p:cSld>
     <p:spTree>
@@ -5512,23 +6606,11 @@
               <a:t> R </a:t>
             </a:r>
             <a:r>
-              <a:rPr lang="en-US" sz="6000" b="1" dirty="0" smtClean="0">
-                <a:solidFill>
-                  <a:srgbClr val="0000FF"/>
-                </a:solidFill>
-                <a:latin typeface="Euclid Symbol" charset="2"/>
-                <a:cs typeface="Euclid Symbol" charset="2"/>
-              </a:rPr>
-              <a:t>=</a:t>
-            </a:r>
-            <a:r>
               <a:rPr lang="en-US" sz="6000" dirty="0" smtClean="0">
-                <a:solidFill>
-                  <a:srgbClr val="0000FF"/>
-                </a:solidFill>
-                <a:latin typeface="Comic Sans MS" pitchFamily="66" charset="0"/>
-              </a:rPr>
-              <a:t> </a:t>
+                <a:latin typeface="Comic Sans MS"/>
+                <a:cs typeface="Comic Sans MS"/>
+              </a:rPr>
+              <a:t>is </a:t>
             </a:r>
             <a:r>
               <a:rPr lang="en-US" sz="6000" dirty="0" smtClean="0">
@@ -8106,7 +9188,7 @@
                             </p:stCondLst>
                             <p:childTnLst>
                               <p:par>
-                                <p:cTn id="5" presetID="1" presetClass="entr" presetSubtype="0" fill="hold" grpId="0" nodeType="clickEffect">
+                                <p:cTn id="5" presetID="9" presetClass="entr" presetSubtype="0" fill="hold" grpId="0" nodeType="clickEffect">
                                   <p:stCondLst>
                                     <p:cond delay="0"/>
                                   </p:stCondLst>
@@ -8129,6 +9211,14 @@
                                         <p:strVal val="visible"/>
                                       </p:to>
                                     </p:set>
+                                    <p:animEffect transition="in" filter="dissolve">
+                                      <p:cBhvr>
+                                        <p:cTn id="7" dur="500"/>
+                                        <p:tgtEl>
+                                          <p:spTgt spid="560131"/>
+                                        </p:tgtEl>
+                                      </p:cBhvr>
+                                    </p:animEffect>
                                   </p:childTnLst>
                                 </p:cTn>
                               </p:par>
@@ -8136,20 +9226,20 @@
                           </p:cTn>
                         </p:par>
                         <p:par>
-                          <p:cTn id="7" fill="hold">
+                          <p:cTn id="8" fill="hold">
                             <p:stCondLst>
-                              <p:cond delay="0"/>
+                              <p:cond delay="500"/>
                             </p:stCondLst>
                             <p:childTnLst>
                               <p:par>
-                                <p:cTn id="8" presetID="1" presetClass="entr" presetSubtype="0" fill="hold" nodeType="afterEffect">
+                                <p:cTn id="9" presetID="1" presetClass="entr" presetSubtype="0" fill="hold" nodeType="afterEffect">
                                   <p:stCondLst>
                                     <p:cond delay="0"/>
                                   </p:stCondLst>
                                   <p:childTnLst>
                                     <p:set>
                                       <p:cBhvr>
-                                        <p:cTn id="9" dur="1" fill="hold">
+                                        <p:cTn id="10" dur="1" fill="hold">
                                           <p:stCondLst>
                                             <p:cond delay="0"/>
                                           </p:stCondLst>
@@ -8175,26 +9265,26 @@
                     </p:cTn>
                   </p:par>
                   <p:par>
-                    <p:cTn id="10" fill="hold">
+                    <p:cTn id="11" fill="hold">
                       <p:stCondLst>
                         <p:cond delay="indefinite"/>
                       </p:stCondLst>
                       <p:childTnLst>
                         <p:par>
-                          <p:cTn id="11" fill="hold">
+                          <p:cTn id="12" fill="hold">
                             <p:stCondLst>
                               <p:cond delay="0"/>
                             </p:stCondLst>
                             <p:childTnLst>
                               <p:par>
-                                <p:cTn id="12" presetID="9" presetClass="entr" presetSubtype="0" fill="hold" nodeType="clickEffect">
+                                <p:cTn id="13" presetID="9" presetClass="entr" presetSubtype="0" fill="hold" nodeType="clickEffect">
                                   <p:stCondLst>
                                     <p:cond delay="0"/>
                                   </p:stCondLst>
                                   <p:childTnLst>
                                     <p:set>
                                       <p:cBhvr>
-                                        <p:cTn id="13" dur="1" fill="hold">
+                                        <p:cTn id="14" dur="1" fill="hold">
                                           <p:stCondLst>
                                             <p:cond delay="0"/>
                                           </p:stCondLst>
@@ -8212,7 +9302,7 @@
                                     </p:set>
                                     <p:animEffect transition="in" filter="dissolve">
                                       <p:cBhvr>
-                                        <p:cTn id="14" dur="500"/>
+                                        <p:cTn id="15" dur="500"/>
                                         <p:tgtEl>
                                           <p:spTgt spid="3"/>
                                         </p:tgtEl>
@@ -8228,26 +9318,26 @@
                     </p:cTn>
                   </p:par>
                   <p:par>
-                    <p:cTn id="15" fill="hold">
+                    <p:cTn id="16" fill="hold">
                       <p:stCondLst>
                         <p:cond delay="indefinite"/>
                       </p:stCondLst>
                       <p:childTnLst>
                         <p:par>
-                          <p:cTn id="16" fill="hold">
+                          <p:cTn id="17" fill="hold">
                             <p:stCondLst>
                               <p:cond delay="0"/>
                             </p:stCondLst>
                             <p:childTnLst>
                               <p:par>
-                                <p:cTn id="17" presetID="1" presetClass="entr" presetSubtype="0" fill="hold" nodeType="clickEffect">
+                                <p:cTn id="18" presetID="9" presetClass="entr" presetSubtype="0" fill="hold" nodeType="clickEffect">
                                   <p:stCondLst>
                                     <p:cond delay="0"/>
                                   </p:stCondLst>
                                   <p:childTnLst>
                                     <p:set>
                                       <p:cBhvr>
-                                        <p:cTn id="18" dur="1" fill="hold">
+                                        <p:cTn id="19" dur="1" fill="hold">
                                           <p:stCondLst>
                                             <p:cond delay="0"/>
                                           </p:stCondLst>
@@ -8263,6 +9353,14 @@
                                         <p:strVal val="visible"/>
                                       </p:to>
                                     </p:set>
+                                    <p:animEffect transition="in" filter="dissolve">
+                                      <p:cBhvr>
+                                        <p:cTn id="20" dur="500"/>
+                                        <p:tgtEl>
+                                          <p:spTgt spid="4"/>
+                                        </p:tgtEl>
+                                      </p:cBhvr>
+                                    </p:animEffect>
                                   </p:childTnLst>
                                 </p:cTn>
                               </p:par>
@@ -8273,26 +9371,26 @@
                     </p:cTn>
                   </p:par>
                   <p:par>
-                    <p:cTn id="19" fill="hold">
+                    <p:cTn id="21" fill="hold">
                       <p:stCondLst>
                         <p:cond delay="indefinite"/>
                       </p:stCondLst>
                       <p:childTnLst>
                         <p:par>
-                          <p:cTn id="20" fill="hold">
+                          <p:cTn id="22" fill="hold">
                             <p:stCondLst>
                               <p:cond delay="0"/>
                             </p:stCondLst>
                             <p:childTnLst>
                               <p:par>
-                                <p:cTn id="21" presetID="9" presetClass="entr" presetSubtype="0" fill="hold" grpId="0" nodeType="clickEffect">
+                                <p:cTn id="23" presetID="9" presetClass="entr" presetSubtype="0" fill="hold" grpId="0" nodeType="clickEffect">
                                   <p:stCondLst>
                                     <p:cond delay="0"/>
                                   </p:stCondLst>
                                   <p:childTnLst>
                                     <p:set>
                                       <p:cBhvr>
-                                        <p:cTn id="22" dur="1" fill="hold">
+                                        <p:cTn id="24" dur="1" fill="hold">
                                           <p:stCondLst>
                                             <p:cond delay="0"/>
                                           </p:stCondLst>
@@ -8310,7 +9408,7 @@
                                     </p:set>
                                     <p:animEffect transition="in" filter="dissolve">
                                       <p:cBhvr>
-                                        <p:cTn id="23" dur="500"/>
+                                        <p:cTn id="25" dur="500"/>
                                         <p:tgtEl>
                                           <p:spTgt spid="560149"/>
                                         </p:tgtEl>
@@ -8326,26 +9424,26 @@
                     </p:cTn>
                   </p:par>
                   <p:par>
-                    <p:cTn id="24" fill="hold">
+                    <p:cTn id="26" fill="hold">
                       <p:stCondLst>
                         <p:cond delay="indefinite"/>
                       </p:stCondLst>
                       <p:childTnLst>
                         <p:par>
-                          <p:cTn id="25" fill="hold">
+                          <p:cTn id="27" fill="hold">
                             <p:stCondLst>
                               <p:cond delay="0"/>
                             </p:stCondLst>
                             <p:childTnLst>
                               <p:par>
-                                <p:cTn id="26" presetID="1" presetClass="entr" presetSubtype="0" fill="hold" nodeType="clickEffect">
+                                <p:cTn id="28" presetID="9" presetClass="entr" presetSubtype="0" fill="hold" nodeType="clickEffect">
                                   <p:stCondLst>
                                     <p:cond delay="0"/>
                                   </p:stCondLst>
                                   <p:childTnLst>
                                     <p:set>
                                       <p:cBhvr>
-                                        <p:cTn id="27" dur="1" fill="hold">
+                                        <p:cTn id="29" dur="1" fill="hold">
                                           <p:stCondLst>
                                             <p:cond delay="0"/>
                                           </p:stCondLst>
@@ -8361,6 +9459,14 @@
                                         <p:strVal val="visible"/>
                                       </p:to>
                                     </p:set>
+                                    <p:animEffect transition="in" filter="dissolve">
+                                      <p:cBhvr>
+                                        <p:cTn id="30" dur="500"/>
+                                        <p:tgtEl>
+                                          <p:spTgt spid="8"/>
+                                        </p:tgtEl>
+                                      </p:cBhvr>
+                                    </p:animEffect>
                                   </p:childTnLst>
                                 </p:cTn>
                               </p:par>
@@ -8371,26 +9477,26 @@
                     </p:cTn>
                   </p:par>
                   <p:par>
-                    <p:cTn id="28" fill="hold">
+                    <p:cTn id="31" fill="hold">
                       <p:stCondLst>
                         <p:cond delay="indefinite"/>
                       </p:stCondLst>
                       <p:childTnLst>
                         <p:par>
-                          <p:cTn id="29" fill="hold">
+                          <p:cTn id="32" fill="hold">
                             <p:stCondLst>
                               <p:cond delay="0"/>
                             </p:stCondLst>
                             <p:childTnLst>
                               <p:par>
-                                <p:cTn id="30" presetID="9" presetClass="entr" presetSubtype="0" fill="hold" grpId="0" nodeType="clickEffect">
+                                <p:cTn id="33" presetID="9" presetClass="entr" presetSubtype="0" fill="hold" grpId="0" nodeType="clickEffect">
                                   <p:stCondLst>
                                     <p:cond delay="0"/>
                                   </p:stCondLst>
                                   <p:childTnLst>
                                     <p:set>
                                       <p:cBhvr>
-                                        <p:cTn id="31" dur="1" fill="hold">
+                                        <p:cTn id="34" dur="1" fill="hold">
                                           <p:stCondLst>
                                             <p:cond delay="0"/>
                                           </p:stCondLst>
@@ -8408,7 +9514,7 @@
                                     </p:set>
                                     <p:animEffect transition="in" filter="dissolve">
                                       <p:cBhvr>
-                                        <p:cTn id="32" dur="500"/>
+                                        <p:cTn id="35" dur="500"/>
                                         <p:tgtEl>
                                           <p:spTgt spid="560183"/>
                                         </p:tgtEl>
@@ -8418,14 +9524,14 @@
                                 </p:cTn>
                               </p:par>
                               <p:par>
-                                <p:cTn id="33" presetID="9" presetClass="entr" presetSubtype="0" fill="hold" nodeType="withEffect">
+                                <p:cTn id="36" presetID="9" presetClass="entr" presetSubtype="0" fill="hold" nodeType="withEffect">
                                   <p:stCondLst>
                                     <p:cond delay="0"/>
                                   </p:stCondLst>
                                   <p:childTnLst>
                                     <p:set>
                                       <p:cBhvr>
-                                        <p:cTn id="34" dur="1" fill="hold">
+                                        <p:cTn id="37" dur="1" fill="hold">
                                           <p:stCondLst>
                                             <p:cond delay="0"/>
                                           </p:stCondLst>
@@ -8443,7 +9549,7 @@
                                     </p:set>
                                     <p:animEffect transition="in" filter="dissolve">
                                       <p:cBhvr>
-                                        <p:cTn id="35" dur="500"/>
+                                        <p:cTn id="38" dur="500"/>
                                         <p:tgtEl>
                                           <p:spTgt spid="11"/>
                                         </p:tgtEl>
@@ -8459,26 +9565,26 @@
                     </p:cTn>
                   </p:par>
                   <p:par>
-                    <p:cTn id="36" fill="hold">
+                    <p:cTn id="39" fill="hold">
                       <p:stCondLst>
                         <p:cond delay="indefinite"/>
                       </p:stCondLst>
                       <p:childTnLst>
                         <p:par>
-                          <p:cTn id="37" fill="hold">
+                          <p:cTn id="40" fill="hold">
                             <p:stCondLst>
                               <p:cond delay="0"/>
                             </p:stCondLst>
                             <p:childTnLst>
                               <p:par>
-                                <p:cTn id="38" presetID="1" presetClass="entr" presetSubtype="0" fill="hold" nodeType="clickEffect">
+                                <p:cTn id="41" presetID="9" presetClass="entr" presetSubtype="0" fill="hold" nodeType="clickEffect">
                                   <p:stCondLst>
                                     <p:cond delay="0"/>
                                   </p:stCondLst>
                                   <p:childTnLst>
                                     <p:set>
                                       <p:cBhvr>
-                                        <p:cTn id="39" dur="1" fill="hold">
+                                        <p:cTn id="42" dur="1" fill="hold">
                                           <p:stCondLst>
                                             <p:cond delay="0"/>
                                           </p:stCondLst>
@@ -8494,6 +9600,14 @@
                                         <p:strVal val="visible"/>
                                       </p:to>
                                     </p:set>
+                                    <p:animEffect transition="in" filter="dissolve">
+                                      <p:cBhvr>
+                                        <p:cTn id="43" dur="500"/>
+                                        <p:tgtEl>
+                                          <p:spTgt spid="7"/>
+                                        </p:tgtEl>
+                                      </p:cBhvr>
+                                    </p:animEffect>
                                   </p:childTnLst>
                                 </p:cTn>
                               </p:par>
@@ -8504,26 +9618,26 @@
                     </p:cTn>
                   </p:par>
                   <p:par>
-                    <p:cTn id="40" fill="hold">
+                    <p:cTn id="44" fill="hold">
                       <p:stCondLst>
                         <p:cond delay="indefinite"/>
                       </p:stCondLst>
                       <p:childTnLst>
                         <p:par>
-                          <p:cTn id="41" fill="hold">
+                          <p:cTn id="45" fill="hold">
                             <p:stCondLst>
                               <p:cond delay="0"/>
                             </p:stCondLst>
                             <p:childTnLst>
                               <p:par>
-                                <p:cTn id="42" presetID="9" presetClass="entr" presetSubtype="0" fill="hold" nodeType="clickEffect">
+                                <p:cTn id="46" presetID="9" presetClass="entr" presetSubtype="0" fill="hold" nodeType="clickEffect">
                                   <p:stCondLst>
                                     <p:cond delay="0"/>
                                   </p:stCondLst>
                                   <p:childTnLst>
                                     <p:set>
                                       <p:cBhvr>
-                                        <p:cTn id="43" dur="1" fill="hold">
+                                        <p:cTn id="47" dur="1" fill="hold">
                                           <p:stCondLst>
                                             <p:cond delay="0"/>
                                           </p:stCondLst>
@@ -8541,7 +9655,7 @@
                                     </p:set>
                                     <p:animEffect transition="in" filter="dissolve">
                                       <p:cBhvr>
-                                        <p:cTn id="44" dur="500"/>
+                                        <p:cTn id="48" dur="500"/>
                                         <p:tgtEl>
                                           <p:spTgt spid="6"/>
                                         </p:tgtEl>
